--- a/PPT/20260126/组会汇报_v1.pptx
+++ b/PPT/20260126/组会汇报_v1.pptx
@@ -14,6 +14,7 @@
     <p:sldId id="262" r:id="rId14"/>
     <p:sldId id="263" r:id="rId15"/>
     <p:sldId id="264" r:id="rId16"/>
+    <p:sldId id="265" r:id="rId17"/>
   </p:sldIdLst>
   <p:sldSz cx="12191695" cy="6858000" type="screen4x3"/>
   <p:notesSz cx="6858000" cy="9144000"/>
@@ -547,6 +548,82 @@
 </p:notes>
 </file>
 
+<file path=ppt/notesSlides/notesSlide10.xml><?xml version="1.0" encoding="utf-8"?>
+<p:notes xmlns:a="http://schemas.openxmlformats.org/drawingml/2006/main" xmlns:p="http://schemas.openxmlformats.org/presentationml/2006/main" xmlns:r="http://schemas.openxmlformats.org/officeDocument/2006/relationships">
+  <p:cSld>
+    <p:spTree>
+      <p:nvGrpSpPr>
+        <p:cNvPr id="1" name=""/>
+        <p:cNvGrpSpPr/>
+        <p:nvPr/>
+      </p:nvGrpSpPr>
+      <p:grpSpPr>
+        <a:xfrm>
+          <a:off x="0" y="0"/>
+          <a:ext cx="0" cy="0"/>
+          <a:chOff x="0" y="0"/>
+          <a:chExt cx="0" cy="0"/>
+        </a:xfrm>
+      </p:grpSpPr>
+      <p:sp>
+        <p:nvSpPr>
+          <p:cNvPr id="2" name="Slide Image Placeholder 1"/>
+          <p:cNvSpPr>
+            <a:spLocks noGrp="1"/>
+          </p:cNvSpPr>
+          <p:nvPr>
+            <p:ph type="sldImg" idx="2"/>
+          </p:nvPr>
+        </p:nvSpPr>
+        <p:spPr/>
+      </p:sp>
+      <p:sp>
+        <p:nvSpPr>
+          <p:cNvPr id="3" name="Notes Placeholder 2"/>
+          <p:cNvSpPr>
+            <a:spLocks noGrp="1"/>
+          </p:cNvSpPr>
+          <p:nvPr>
+            <p:ph type="body" idx="3" sz="quarter"/>
+          </p:nvPr>
+        </p:nvSpPr>
+        <p:spPr/>
+        <p:txBody>
+          <a:bodyPr/>
+          <a:lstStyle/>
+          <a:p>
+            <a:r>
+              <a:t>感谢各位老师和同学的聆听！</a:t>
+            </a:r>
+          </a:p>
+          <a:p/>
+          <a:p>
+            <a:r>
+              <a:t>欢迎提问和讨论。谢谢！</a:t>
+            </a:r>
+          </a:p>
+        </p:txBody>
+      </p:sp>
+      <p:sp>
+        <p:nvSpPr>
+          <p:cNvPr id="4" name="Slide Number Placeholder 3"/>
+          <p:cNvSpPr>
+            <a:spLocks noGrp="1"/>
+          </p:cNvSpPr>
+          <p:nvPr>
+            <p:ph type="sldNum" idx="5" sz="quarter"/>
+          </p:nvPr>
+        </p:nvSpPr>
+        <p:spPr/>
+      </p:sp>
+    </p:spTree>
+  </p:cSld>
+  <p:clrMapOvr>
+    <a:masterClrMapping/>
+  </p:clrMapOvr>
+</p:notes>
+</file>
+
 <file path=ppt/notesSlides/notesSlide2.xml><?xml version="1.0" encoding="utf-8"?>
 <p:notes xmlns:a="http://schemas.openxmlformats.org/drawingml/2006/main" xmlns:p="http://schemas.openxmlformats.org/presentationml/2006/main" xmlns:r="http://schemas.openxmlformats.org/officeDocument/2006/relationships">
   <p:cSld>
@@ -1102,19 +1179,31 @@
           <a:lstStyle/>
           <a:p>
             <a:r>
-              <a:t>总结主要发现：</a:t>
+              <a:t>R菌杀菌曲线结果显示三株噬菌体差异显著。</a:t>
             </a:r>
           </a:p>
           <a:p/>
           <a:p>
             <a:r>
-              <a:t>第一，成功分离5株噬菌体；第二，R1是唯一窄宿主范围噬菌体；第三，R2可能是温和性噬菌体；第四，W1和W2的最佳MOI已确定。</a:t>
+              <a:t>R3表现最佳：所有MOI在30-45分钟内实现裂解，杀菌效率最高。</a:t>
             </a:r>
           </a:p>
           <a:p/>
           <a:p>
             <a:r>
-              <a:t>下一步：完成R菌的杀菌曲线实验，然后进行一步生长曲线和基因组测序。</a:t>
+              <a:t>R1表现中等：高MOI时有效，需要MOI≥1才能实现良好裂解。</a:t>
+            </a:r>
+          </a:p>
+          <a:p/>
+          <a:p>
+            <a:r>
+              <a:t>R2裂解效果较弱：即使MOI=10，细菌仍能持续生长。这与其浑浊斑块特征一致，进一步支持R2为温和性噬菌体的判断。</a:t>
+            </a:r>
+          </a:p>
+          <a:p/>
+          <a:p>
+            <a:r>
+              <a:t>推荐使用MOI：R3可用任意MOI，R1用MOI≥1。</a:t>
             </a:r>
           </a:p>
         </p:txBody>
@@ -1184,13 +1273,19 @@
           <a:lstStyle/>
           <a:p>
             <a:r>
-              <a:t>感谢各位老师和同学的聆听！</a:t>
+              <a:t>总结主要发现：</a:t>
             </a:r>
           </a:p>
           <a:p/>
           <a:p>
             <a:r>
-              <a:t>欢迎提问和讨论。谢谢！</a:t>
+              <a:t>第一，成功分离5株噬菌体；第二，R1是唯一窄宿主范围噬菌体；第三，杀菌曲线证实R2为温和性噬菌体；第四，R3杀菌效率最佳，30分钟即可裂解，所有MOI均有效。</a:t>
+            </a:r>
+          </a:p>
+          <a:p/>
+          <a:p>
+            <a:r>
+              <a:t>下一步：进行一步生长曲线确定潜伏期和爆发量，然后DNA提取和基因组测序，以及电镜观察形态。</a:t>
             </a:r>
           </a:p>
         </p:txBody>
@@ -4309,6 +4404,129 @@
 </p:sld>
 </file>
 
+<file path=ppt/slides/slide10.xml><?xml version="1.0" encoding="utf-8"?>
+<p:sld xmlns:a="http://schemas.openxmlformats.org/drawingml/2006/main" xmlns:p="http://schemas.openxmlformats.org/presentationml/2006/main" xmlns:r="http://schemas.openxmlformats.org/officeDocument/2006/relationships">
+  <p:cSld>
+    <p:spTree>
+      <p:nvGrpSpPr>
+        <p:cNvPr id="1" name=""/>
+        <p:cNvGrpSpPr/>
+        <p:nvPr/>
+      </p:nvGrpSpPr>
+      <p:grpSpPr/>
+      <p:sp>
+        <p:nvSpPr>
+          <p:cNvPr id="2" name="TextBox 1"/>
+          <p:cNvSpPr txBox="1"/>
+          <p:nvPr/>
+        </p:nvSpPr>
+        <p:spPr>
+          <a:xfrm>
+            <a:off x="457200" y="2560320"/>
+            <a:ext cx="11277295" cy="1097280"/>
+          </a:xfrm>
+          <a:prstGeom prst="rect">
+            <a:avLst/>
+          </a:prstGeom>
+          <a:noFill/>
+        </p:spPr>
+        <p:txBody>
+          <a:bodyPr wrap="none">
+            <a:spAutoFit/>
+          </a:bodyPr>
+          <a:lstStyle/>
+          <a:p>
+            <a:pPr algn="ctr">
+              <a:defRPr sz="5400" b="1">
+                <a:solidFill>
+                  <a:srgbClr val="1465C0"/>
+                </a:solidFill>
+              </a:defRPr>
+            </a:pPr>
+            <a:r>
+              <a:t>Thank You!</a:t>
+            </a:r>
+          </a:p>
+        </p:txBody>
+      </p:sp>
+      <p:sp>
+        <p:nvSpPr>
+          <p:cNvPr id="3" name="TextBox 2"/>
+          <p:cNvSpPr txBox="1"/>
+          <p:nvPr/>
+        </p:nvSpPr>
+        <p:spPr>
+          <a:xfrm>
+            <a:off x="457200" y="3840480"/>
+            <a:ext cx="11277295" cy="548640"/>
+          </a:xfrm>
+          <a:prstGeom prst="rect">
+            <a:avLst/>
+          </a:prstGeom>
+          <a:noFill/>
+        </p:spPr>
+        <p:txBody>
+          <a:bodyPr wrap="none">
+            <a:spAutoFit/>
+          </a:bodyPr>
+          <a:lstStyle/>
+          <a:p>
+            <a:pPr algn="ctr">
+              <a:defRPr sz="2400">
+                <a:solidFill>
+                  <a:srgbClr val="757575"/>
+                </a:solidFill>
+              </a:defRPr>
+            </a:pPr>
+            <a:r>
+              <a:t>Questions &amp; Discussion</a:t>
+            </a:r>
+          </a:p>
+        </p:txBody>
+      </p:sp>
+      <p:sp>
+        <p:nvSpPr>
+          <p:cNvPr id="4" name="TextBox 3"/>
+          <p:cNvSpPr txBox="1"/>
+          <p:nvPr/>
+        </p:nvSpPr>
+        <p:spPr>
+          <a:xfrm>
+            <a:off x="11460175" y="6400800"/>
+            <a:ext cx="548640" cy="274320"/>
+          </a:xfrm>
+          <a:prstGeom prst="rect">
+            <a:avLst/>
+          </a:prstGeom>
+          <a:noFill/>
+        </p:spPr>
+        <p:txBody>
+          <a:bodyPr wrap="none">
+            <a:spAutoFit/>
+          </a:bodyPr>
+          <a:lstStyle/>
+          <a:p>
+            <a:pPr algn="r">
+              <a:defRPr sz="1400" b="1">
+                <a:solidFill>
+                  <a:srgbClr val="1465C0"/>
+                </a:solidFill>
+              </a:defRPr>
+            </a:pPr>
+            <a:r>
+              <a:t>10</a:t>
+            </a:r>
+          </a:p>
+        </p:txBody>
+      </p:sp>
+    </p:spTree>
+  </p:cSld>
+  <p:clrMapOvr>
+    <a:masterClrMapping/>
+  </p:clrMapOvr>
+</p:sld>
+</file>
+
 <file path=ppt/slides/slide2.xml><?xml version="1.0" encoding="utf-8"?>
 <p:sld xmlns:a="http://schemas.openxmlformats.org/drawingml/2006/main" xmlns:p="http://schemas.openxmlformats.org/presentationml/2006/main" xmlns:r="http://schemas.openxmlformats.org/officeDocument/2006/relationships">
   <p:cSld>
@@ -7758,21 +7976,635 @@
               </a:defRPr>
             </a:pPr>
             <a:r>
-              <a:t>结论与下一步计划</a:t>
-            </a:r>
-          </a:p>
-        </p:txBody>
-      </p:sp>
-      <p:sp>
-        <p:nvSpPr>
-          <p:cNvPr id="4" name="TextBox 3"/>
+              <a:t>杀菌曲线：R菌MOI优化</a:t>
+            </a:r>
+          </a:p>
+        </p:txBody>
+      </p:sp>
+      <p:graphicFrame>
+        <p:nvGraphicFramePr>
+          <p:cNvPr id="4" name="Table 3"/>
+          <p:cNvGraphicFramePr>
+            <a:graphicFrameLocks noGrp="1"/>
+          </p:cNvGraphicFramePr>
+          <p:nvPr/>
+        </p:nvGraphicFramePr>
+        <p:xfrm>
+          <a:off x="731520" y="1188720"/>
+          <a:ext cx="10728652" cy="3657600"/>
+        </p:xfrm>
+        <a:graphic>
+          <a:graphicData uri="http://schemas.openxmlformats.org/drawingml/2006/table">
+            <a:tbl>
+              <a:tblPr firstRow="1" bandRow="1">
+                <a:tableStyleId>{5C22544A-7EE6-4342-B048-85BDC9FD1C3A}</a:tableStyleId>
+              </a:tblPr>
+              <a:tblGrid>
+                <a:gridCol w="2682163"/>
+                <a:gridCol w="2682163"/>
+                <a:gridCol w="2682163"/>
+                <a:gridCol w="2682163"/>
+              </a:tblGrid>
+              <a:tr h="457200">
+                <a:tc>
+                  <a:txBody>
+                    <a:bodyPr/>
+                    <a:lstStyle/>
+                    <a:p>
+                      <a:pPr algn="ctr">
+                        <a:defRPr sz="1400" b="1">
+                          <a:solidFill>
+                            <a:srgbClr val="FFFFFF"/>
+                          </a:solidFill>
+                        </a:defRPr>
+                      </a:pPr>
+                      <a:r>
+                        <a:t>噬菌体</a:t>
+                      </a:r>
+                    </a:p>
+                  </a:txBody>
+                  <a:tcPr anchor="ctr">
+                    <a:solidFill>
+                      <a:srgbClr val="1465C0"/>
+                    </a:solidFill>
+                  </a:tcPr>
+                </a:tc>
+                <a:tc>
+                  <a:txBody>
+                    <a:bodyPr/>
+                    <a:lstStyle/>
+                    <a:p>
+                      <a:pPr algn="ctr">
+                        <a:defRPr sz="1400" b="1">
+                          <a:solidFill>
+                            <a:srgbClr val="FFFFFF"/>
+                          </a:solidFill>
+                        </a:defRPr>
+                      </a:pPr>
+                      <a:r>
+                        <a:t>MOI</a:t>
+                      </a:r>
+                    </a:p>
+                  </a:txBody>
+                  <a:tcPr anchor="ctr">
+                    <a:solidFill>
+                      <a:srgbClr val="1465C0"/>
+                    </a:solidFill>
+                  </a:tcPr>
+                </a:tc>
+                <a:tc>
+                  <a:txBody>
+                    <a:bodyPr/>
+                    <a:lstStyle/>
+                    <a:p>
+                      <a:pPr algn="ctr">
+                        <a:defRPr sz="1400" b="1">
+                          <a:solidFill>
+                            <a:srgbClr val="FFFFFF"/>
+                          </a:solidFill>
+                        </a:defRPr>
+                      </a:pPr>
+                      <a:r>
+                        <a:t>裂解启动时间</a:t>
+                      </a:r>
+                    </a:p>
+                  </a:txBody>
+                  <a:tcPr anchor="ctr">
+                    <a:solidFill>
+                      <a:srgbClr val="1465C0"/>
+                    </a:solidFill>
+                  </a:tcPr>
+                </a:tc>
+                <a:tc>
+                  <a:txBody>
+                    <a:bodyPr/>
+                    <a:lstStyle/>
+                    <a:p>
+                      <a:pPr algn="ctr">
+                        <a:defRPr sz="1400" b="1">
+                          <a:solidFill>
+                            <a:srgbClr val="FFFFFF"/>
+                          </a:solidFill>
+                        </a:defRPr>
+                      </a:pPr>
+                      <a:r>
+                        <a:t>杀菌效率</a:t>
+                      </a:r>
+                    </a:p>
+                  </a:txBody>
+                  <a:tcPr anchor="ctr">
+                    <a:solidFill>
+                      <a:srgbClr val="1465C0"/>
+                    </a:solidFill>
+                  </a:tcPr>
+                </a:tc>
+              </a:tr>
+              <a:tr h="457200">
+                <a:tc>
+                  <a:txBody>
+                    <a:bodyPr/>
+                    <a:lstStyle/>
+                    <a:p>
+                      <a:pPr algn="ctr">
+                        <a:defRPr sz="1300"/>
+                      </a:pPr>
+                      <a:r>
+                        <a:t>R3</a:t>
+                      </a:r>
+                    </a:p>
+                  </a:txBody>
+                  <a:tcPr anchor="ctr"/>
+                </a:tc>
+                <a:tc>
+                  <a:txBody>
+                    <a:bodyPr/>
+                    <a:lstStyle/>
+                    <a:p>
+                      <a:pPr algn="ctr">
+                        <a:defRPr sz="1300"/>
+                      </a:pPr>
+                      <a:r>
+                        <a:t>10</a:t>
+                      </a:r>
+                    </a:p>
+                  </a:txBody>
+                  <a:tcPr anchor="ctr"/>
+                </a:tc>
+                <a:tc>
+                  <a:txBody>
+                    <a:bodyPr/>
+                    <a:lstStyle/>
+                    <a:p>
+                      <a:pPr algn="ctr">
+                        <a:defRPr sz="1300"/>
+                      </a:pPr>
+                      <a:r>
+                        <a:rPr b="1">
+                          <a:solidFill>
+                            <a:srgbClr val="4CAF50"/>
+                          </a:solidFill>
+                        </a:rPr>
+                        <a:t>30 min</a:t>
+                      </a:r>
+                    </a:p>
+                  </a:txBody>
+                  <a:tcPr anchor="ctr"/>
+                </a:tc>
+                <a:tc>
+                  <a:txBody>
+                    <a:bodyPr/>
+                    <a:lstStyle/>
+                    <a:p>
+                      <a:pPr algn="ctr">
+                        <a:defRPr sz="1300"/>
+                      </a:pPr>
+                      <a:r>
+                        <a:rPr b="1">
+                          <a:solidFill>
+                            <a:srgbClr val="4CAF50"/>
+                          </a:solidFill>
+                        </a:rPr>
+                        <a:t>最快最强</a:t>
+                      </a:r>
+                    </a:p>
+                  </a:txBody>
+                  <a:tcPr anchor="ctr"/>
+                </a:tc>
+              </a:tr>
+              <a:tr h="457200">
+                <a:tc>
+                  <a:txBody>
+                    <a:bodyPr/>
+                    <a:lstStyle/>
+                    <a:p>
+                      <a:pPr algn="ctr">
+                        <a:defRPr sz="1300"/>
+                      </a:pPr>
+                      <a:r>
+                        <a:t>R3</a:t>
+                      </a:r>
+                    </a:p>
+                  </a:txBody>
+                  <a:tcPr anchor="ctr">
+                    <a:solidFill>
+                      <a:srgbClr val="F5F5F5"/>
+                    </a:solidFill>
+                  </a:tcPr>
+                </a:tc>
+                <a:tc>
+                  <a:txBody>
+                    <a:bodyPr/>
+                    <a:lstStyle/>
+                    <a:p>
+                      <a:pPr algn="ctr">
+                        <a:defRPr sz="1300"/>
+                      </a:pPr>
+                      <a:r>
+                        <a:t>1</a:t>
+                      </a:r>
+                    </a:p>
+                  </a:txBody>
+                  <a:tcPr anchor="ctr">
+                    <a:solidFill>
+                      <a:srgbClr val="F5F5F5"/>
+                    </a:solidFill>
+                  </a:tcPr>
+                </a:tc>
+                <a:tc>
+                  <a:txBody>
+                    <a:bodyPr/>
+                    <a:lstStyle/>
+                    <a:p>
+                      <a:pPr algn="ctr">
+                        <a:defRPr sz="1300"/>
+                      </a:pPr>
+                      <a:r>
+                        <a:t>30 min</a:t>
+                      </a:r>
+                    </a:p>
+                  </a:txBody>
+                  <a:tcPr anchor="ctr">
+                    <a:solidFill>
+                      <a:srgbClr val="F5F5F5"/>
+                    </a:solidFill>
+                  </a:tcPr>
+                </a:tc>
+                <a:tc>
+                  <a:txBody>
+                    <a:bodyPr/>
+                    <a:lstStyle/>
+                    <a:p>
+                      <a:pPr algn="ctr">
+                        <a:defRPr sz="1300"/>
+                      </a:pPr>
+                      <a:r>
+                        <a:t>高效</a:t>
+                      </a:r>
+                    </a:p>
+                  </a:txBody>
+                  <a:tcPr anchor="ctr">
+                    <a:solidFill>
+                      <a:srgbClr val="F5F5F5"/>
+                    </a:solidFill>
+                  </a:tcPr>
+                </a:tc>
+              </a:tr>
+              <a:tr h="457200">
+                <a:tc>
+                  <a:txBody>
+                    <a:bodyPr/>
+                    <a:lstStyle/>
+                    <a:p>
+                      <a:pPr algn="ctr">
+                        <a:defRPr sz="1300"/>
+                      </a:pPr>
+                      <a:r>
+                        <a:t>R3</a:t>
+                      </a:r>
+                    </a:p>
+                  </a:txBody>
+                  <a:tcPr anchor="ctr"/>
+                </a:tc>
+                <a:tc>
+                  <a:txBody>
+                    <a:bodyPr/>
+                    <a:lstStyle/>
+                    <a:p>
+                      <a:pPr algn="ctr">
+                        <a:defRPr sz="1300"/>
+                      </a:pPr>
+                      <a:r>
+                        <a:t>0.1</a:t>
+                      </a:r>
+                    </a:p>
+                  </a:txBody>
+                  <a:tcPr anchor="ctr"/>
+                </a:tc>
+                <a:tc>
+                  <a:txBody>
+                    <a:bodyPr/>
+                    <a:lstStyle/>
+                    <a:p>
+                      <a:pPr algn="ctr">
+                        <a:defRPr sz="1300"/>
+                      </a:pPr>
+                      <a:r>
+                        <a:t>45 min</a:t>
+                      </a:r>
+                    </a:p>
+                  </a:txBody>
+                  <a:tcPr anchor="ctr"/>
+                </a:tc>
+                <a:tc>
+                  <a:txBody>
+                    <a:bodyPr/>
+                    <a:lstStyle/>
+                    <a:p>
+                      <a:pPr algn="ctr">
+                        <a:defRPr sz="1300"/>
+                      </a:pPr>
+                      <a:r>
+                        <a:t>高效</a:t>
+                      </a:r>
+                    </a:p>
+                  </a:txBody>
+                  <a:tcPr anchor="ctr"/>
+                </a:tc>
+              </a:tr>
+              <a:tr h="457200">
+                <a:tc>
+                  <a:txBody>
+                    <a:bodyPr/>
+                    <a:lstStyle/>
+                    <a:p>
+                      <a:pPr algn="ctr">
+                        <a:defRPr sz="1300"/>
+                      </a:pPr>
+                      <a:r>
+                        <a:t>R3</a:t>
+                      </a:r>
+                    </a:p>
+                  </a:txBody>
+                  <a:tcPr anchor="ctr">
+                    <a:solidFill>
+                      <a:srgbClr val="F5F5F5"/>
+                    </a:solidFill>
+                  </a:tcPr>
+                </a:tc>
+                <a:tc>
+                  <a:txBody>
+                    <a:bodyPr/>
+                    <a:lstStyle/>
+                    <a:p>
+                      <a:pPr algn="ctr">
+                        <a:defRPr sz="1300"/>
+                      </a:pPr>
+                      <a:r>
+                        <a:t>0.01</a:t>
+                      </a:r>
+                    </a:p>
+                  </a:txBody>
+                  <a:tcPr anchor="ctr">
+                    <a:solidFill>
+                      <a:srgbClr val="F5F5F5"/>
+                    </a:solidFill>
+                  </a:tcPr>
+                </a:tc>
+                <a:tc>
+                  <a:txBody>
+                    <a:bodyPr/>
+                    <a:lstStyle/>
+                    <a:p>
+                      <a:pPr algn="ctr">
+                        <a:defRPr sz="1300"/>
+                      </a:pPr>
+                      <a:r>
+                        <a:t>45 min</a:t>
+                      </a:r>
+                    </a:p>
+                  </a:txBody>
+                  <a:tcPr anchor="ctr">
+                    <a:solidFill>
+                      <a:srgbClr val="F5F5F5"/>
+                    </a:solidFill>
+                  </a:tcPr>
+                </a:tc>
+                <a:tc>
+                  <a:txBody>
+                    <a:bodyPr/>
+                    <a:lstStyle/>
+                    <a:p>
+                      <a:pPr algn="ctr">
+                        <a:defRPr sz="1300"/>
+                      </a:pPr>
+                      <a:r>
+                        <a:t>高效</a:t>
+                      </a:r>
+                    </a:p>
+                  </a:txBody>
+                  <a:tcPr anchor="ctr">
+                    <a:solidFill>
+                      <a:srgbClr val="F5F5F5"/>
+                    </a:solidFill>
+                  </a:tcPr>
+                </a:tc>
+              </a:tr>
+              <a:tr h="457200">
+                <a:tc>
+                  <a:txBody>
+                    <a:bodyPr/>
+                    <a:lstStyle/>
+                    <a:p>
+                      <a:pPr algn="ctr">
+                        <a:defRPr sz="1300"/>
+                      </a:pPr>
+                      <a:r>
+                        <a:t>R1</a:t>
+                      </a:r>
+                    </a:p>
+                  </a:txBody>
+                  <a:tcPr anchor="ctr"/>
+                </a:tc>
+                <a:tc>
+                  <a:txBody>
+                    <a:bodyPr/>
+                    <a:lstStyle/>
+                    <a:p>
+                      <a:pPr algn="ctr">
+                        <a:defRPr sz="1300"/>
+                      </a:pPr>
+                      <a:r>
+                        <a:t>10</a:t>
+                      </a:r>
+                    </a:p>
+                  </a:txBody>
+                  <a:tcPr anchor="ctr"/>
+                </a:tc>
+                <a:tc>
+                  <a:txBody>
+                    <a:bodyPr/>
+                    <a:lstStyle/>
+                    <a:p>
+                      <a:pPr algn="ctr">
+                        <a:defRPr sz="1300"/>
+                      </a:pPr>
+                      <a:r>
+                        <a:t>30 min</a:t>
+                      </a:r>
+                    </a:p>
+                  </a:txBody>
+                  <a:tcPr anchor="ctr"/>
+                </a:tc>
+                <a:tc>
+                  <a:txBody>
+                    <a:bodyPr/>
+                    <a:lstStyle/>
+                    <a:p>
+                      <a:pPr algn="ctr">
+                        <a:defRPr sz="1300"/>
+                      </a:pPr>
+                      <a:r>
+                        <a:t>中等</a:t>
+                      </a:r>
+                    </a:p>
+                  </a:txBody>
+                  <a:tcPr anchor="ctr"/>
+                </a:tc>
+              </a:tr>
+              <a:tr h="457200">
+                <a:tc>
+                  <a:txBody>
+                    <a:bodyPr/>
+                    <a:lstStyle/>
+                    <a:p>
+                      <a:pPr algn="ctr">
+                        <a:defRPr sz="1300"/>
+                      </a:pPr>
+                      <a:r>
+                        <a:t>R1</a:t>
+                      </a:r>
+                    </a:p>
+                  </a:txBody>
+                  <a:tcPr anchor="ctr">
+                    <a:solidFill>
+                      <a:srgbClr val="F5F5F5"/>
+                    </a:solidFill>
+                  </a:tcPr>
+                </a:tc>
+                <a:tc>
+                  <a:txBody>
+                    <a:bodyPr/>
+                    <a:lstStyle/>
+                    <a:p>
+                      <a:pPr algn="ctr">
+                        <a:defRPr sz="1300"/>
+                      </a:pPr>
+                      <a:r>
+                        <a:t>1</a:t>
+                      </a:r>
+                    </a:p>
+                  </a:txBody>
+                  <a:tcPr anchor="ctr">
+                    <a:solidFill>
+                      <a:srgbClr val="F5F5F5"/>
+                    </a:solidFill>
+                  </a:tcPr>
+                </a:tc>
+                <a:tc>
+                  <a:txBody>
+                    <a:bodyPr/>
+                    <a:lstStyle/>
+                    <a:p>
+                      <a:pPr algn="ctr">
+                        <a:defRPr sz="1300"/>
+                      </a:pPr>
+                      <a:r>
+                        <a:t>45 min</a:t>
+                      </a:r>
+                    </a:p>
+                  </a:txBody>
+                  <a:tcPr anchor="ctr">
+                    <a:solidFill>
+                      <a:srgbClr val="F5F5F5"/>
+                    </a:solidFill>
+                  </a:tcPr>
+                </a:tc>
+                <a:tc>
+                  <a:txBody>
+                    <a:bodyPr/>
+                    <a:lstStyle/>
+                    <a:p>
+                      <a:pPr algn="ctr">
+                        <a:defRPr sz="1300"/>
+                      </a:pPr>
+                      <a:r>
+                        <a:t>中等</a:t>
+                      </a:r>
+                    </a:p>
+                  </a:txBody>
+                  <a:tcPr anchor="ctr">
+                    <a:solidFill>
+                      <a:srgbClr val="F5F5F5"/>
+                    </a:solidFill>
+                  </a:tcPr>
+                </a:tc>
+              </a:tr>
+              <a:tr h="457200">
+                <a:tc>
+                  <a:txBody>
+                    <a:bodyPr/>
+                    <a:lstStyle/>
+                    <a:p>
+                      <a:pPr algn="ctr">
+                        <a:defRPr sz="1300"/>
+                      </a:pPr>
+                      <a:r>
+                        <a:t>R2</a:t>
+                      </a:r>
+                    </a:p>
+                  </a:txBody>
+                  <a:tcPr anchor="ctr"/>
+                </a:tc>
+                <a:tc>
+                  <a:txBody>
+                    <a:bodyPr/>
+                    <a:lstStyle/>
+                    <a:p>
+                      <a:pPr algn="ctr">
+                        <a:defRPr sz="1300"/>
+                      </a:pPr>
+                      <a:r>
+                        <a:t>所有MOI</a:t>
+                      </a:r>
+                    </a:p>
+                  </a:txBody>
+                  <a:tcPr anchor="ctr"/>
+                </a:tc>
+                <a:tc>
+                  <a:txBody>
+                    <a:bodyPr/>
+                    <a:lstStyle/>
+                    <a:p>
+                      <a:pPr algn="ctr">
+                        <a:defRPr sz="1300"/>
+                      </a:pPr>
+                      <a:r>
+                        <a:t>&gt;2h</a:t>
+                      </a:r>
+                    </a:p>
+                  </a:txBody>
+                  <a:tcPr anchor="ctr"/>
+                </a:tc>
+                <a:tc>
+                  <a:txBody>
+                    <a:bodyPr/>
+                    <a:lstStyle/>
+                    <a:p>
+                      <a:pPr algn="ctr">
+                        <a:defRPr sz="1300"/>
+                      </a:pPr>
+                      <a:r>
+                        <a:t>弱裂解</a:t>
+                      </a:r>
+                    </a:p>
+                  </a:txBody>
+                  <a:tcPr anchor="ctr"/>
+                </a:tc>
+              </a:tr>
+            </a:tbl>
+          </a:graphicData>
+        </a:graphic>
+      </p:graphicFrame>
+      <p:sp>
+        <p:nvSpPr>
+          <p:cNvPr id="5" name="TextBox 4"/>
           <p:cNvSpPr txBox="1"/>
           <p:nvPr/>
         </p:nvSpPr>
         <p:spPr>
           <a:xfrm>
-            <a:off x="457200" y="1097280"/>
-            <a:ext cx="5029200" cy="457200"/>
+            <a:off x="731520" y="5943600"/>
+            <a:ext cx="10728655" cy="365760"/>
           </a:xfrm>
           <a:prstGeom prst="rect">
             <a:avLst/>
@@ -7786,138 +8618,14 @@
           <a:lstStyle/>
           <a:p>
             <a:pPr>
-              <a:defRPr sz="2000" b="1">
+              <a:defRPr sz="1200" i="1">
                 <a:solidFill>
-                  <a:srgbClr val="1465C0"/>
+                  <a:srgbClr val="757575"/>
                 </a:solidFill>
               </a:defRPr>
             </a:pPr>
             <a:r>
-              <a:t>Main Findings</a:t>
-            </a:r>
-          </a:p>
-        </p:txBody>
-      </p:sp>
-      <p:sp>
-        <p:nvSpPr>
-          <p:cNvPr id="5" name="TextBox 4"/>
-          <p:cNvSpPr txBox="1"/>
-          <p:nvPr/>
-        </p:nvSpPr>
-        <p:spPr>
-          <a:xfrm>
-            <a:off x="457200" y="1645920"/>
-            <a:ext cx="5303520" cy="4114800"/>
-          </a:xfrm>
-          <a:prstGeom prst="rect">
-            <a:avLst/>
-          </a:prstGeom>
-          <a:noFill/>
-        </p:spPr>
-        <p:txBody>
-          <a:bodyPr wrap="square">
-            <a:spAutoFit/>
-          </a:bodyPr>
-          <a:lstStyle/>
-          <a:p>
-            <a:pPr>
-              <a:spcBef>
-                <a:spcPts val="800"/>
-              </a:spcBef>
-              <a:defRPr sz="1800">
-                <a:solidFill>
-                  <a:srgbClr val="333333"/>
-                </a:solidFill>
-              </a:defRPr>
-            </a:pPr>
-            <a:r>
-              <a:t>• 成功分离</a:t>
-            </a:r>
-            <a:r>
-              <a:rPr b="1">
-                <a:solidFill>
-                  <a:srgbClr val="4CAF50"/>
-                </a:solidFill>
-              </a:rPr>
-              <a:t>5株噬菌体</a:t>
-            </a:r>
-            <a:r>
-              <a:t>（R1-R3, W1-W2）</a:t>
-            </a:r>
-          </a:p>
-          <a:p>
-            <a:pPr>
-              <a:spcBef>
-                <a:spcPts val="800"/>
-              </a:spcBef>
-              <a:defRPr sz="1800">
-                <a:solidFill>
-                  <a:srgbClr val="333333"/>
-                </a:solidFill>
-              </a:defRPr>
-            </a:pPr>
-            <a:r>
-              <a:t>• R1是唯一的</a:t>
-            </a:r>
-            <a:r>
-              <a:rPr b="1">
-                <a:solidFill>
-                  <a:srgbClr val="4CAF50"/>
-                </a:solidFill>
-              </a:rPr>
-              <a:t>窄宿主范围</a:t>
-            </a:r>
-            <a:r>
-              <a:t>噬菌体</a:t>
-            </a:r>
-          </a:p>
-          <a:p>
-            <a:pPr>
-              <a:spcBef>
-                <a:spcPts val="800"/>
-              </a:spcBef>
-              <a:defRPr sz="1800">
-                <a:solidFill>
-                  <a:srgbClr val="333333"/>
-                </a:solidFill>
-              </a:defRPr>
-            </a:pPr>
-            <a:r>
-              <a:t>• R2产生</a:t>
-            </a:r>
-            <a:r>
-              <a:rPr b="1">
-                <a:solidFill>
-                  <a:srgbClr val="4CAF50"/>
-                </a:solidFill>
-              </a:rPr>
-              <a:t>浑浊斑块</a:t>
-            </a:r>
-            <a:r>
-              <a:t>，可能为温和性噬菌体</a:t>
-            </a:r>
-          </a:p>
-          <a:p>
-            <a:pPr>
-              <a:spcBef>
-                <a:spcPts val="800"/>
-              </a:spcBef>
-              <a:defRPr sz="1800">
-                <a:solidFill>
-                  <a:srgbClr val="333333"/>
-                </a:solidFill>
-              </a:defRPr>
-            </a:pPr>
-            <a:r>
-              <a:t>• W1/W2杀菌曲线：</a:t>
-            </a:r>
-            <a:r>
-              <a:rPr b="1">
-                <a:solidFill>
-                  <a:srgbClr val="4CAF50"/>
-                </a:solidFill>
-              </a:rPr>
-              <a:t>W1 MOI=10最快，W2 MOI=1最强</a:t>
+              <a:t>R3杀菌效率最佳；R2裂解弱，符合温和性噬菌体特征</a:t>
             </a:r>
           </a:p>
         </p:txBody>
@@ -7925,109 +8633,6 @@
       <p:sp>
         <p:nvSpPr>
           <p:cNvPr id="6" name="TextBox 5"/>
-          <p:cNvSpPr txBox="1"/>
-          <p:nvPr/>
-        </p:nvSpPr>
-        <p:spPr>
-          <a:xfrm>
-            <a:off x="6217920" y="1097280"/>
-            <a:ext cx="5029200" cy="457200"/>
-          </a:xfrm>
-          <a:prstGeom prst="rect">
-            <a:avLst/>
-          </a:prstGeom>
-          <a:noFill/>
-        </p:spPr>
-        <p:txBody>
-          <a:bodyPr wrap="none">
-            <a:spAutoFit/>
-          </a:bodyPr>
-          <a:lstStyle/>
-          <a:p>
-            <a:pPr>
-              <a:defRPr sz="2000" b="1">
-                <a:solidFill>
-                  <a:srgbClr val="4CAF50"/>
-                </a:solidFill>
-              </a:defRPr>
-            </a:pPr>
-            <a:r>
-              <a:t>Next Steps</a:t>
-            </a:r>
-          </a:p>
-        </p:txBody>
-      </p:sp>
-      <p:sp>
-        <p:nvSpPr>
-          <p:cNvPr id="7" name="TextBox 6"/>
-          <p:cNvSpPr txBox="1"/>
-          <p:nvPr/>
-        </p:nvSpPr>
-        <p:spPr>
-          <a:xfrm>
-            <a:off x="6217920" y="1645920"/>
-            <a:ext cx="5303520" cy="4114800"/>
-          </a:xfrm>
-          <a:prstGeom prst="rect">
-            <a:avLst/>
-          </a:prstGeom>
-          <a:noFill/>
-        </p:spPr>
-        <p:txBody>
-          <a:bodyPr wrap="square">
-            <a:spAutoFit/>
-          </a:bodyPr>
-          <a:lstStyle/>
-          <a:p>
-            <a:pPr>
-              <a:spcBef>
-                <a:spcPts val="800"/>
-              </a:spcBef>
-              <a:defRPr sz="1800">
-                <a:solidFill>
-                  <a:srgbClr val="333333"/>
-                </a:solidFill>
-              </a:defRPr>
-            </a:pPr>
-            <a:r>
-              <a:t>→ R菌杀菌曲线实验（R1, R2, R3）</a:t>
-            </a:r>
-          </a:p>
-          <a:p>
-            <a:pPr>
-              <a:spcBef>
-                <a:spcPts val="800"/>
-              </a:spcBef>
-              <a:defRPr sz="1800">
-                <a:solidFill>
-                  <a:srgbClr val="333333"/>
-                </a:solidFill>
-              </a:defRPr>
-            </a:pPr>
-            <a:r>
-              <a:t>→ 一步生长曲线实验</a:t>
-            </a:r>
-          </a:p>
-          <a:p>
-            <a:pPr>
-              <a:spcBef>
-                <a:spcPts val="800"/>
-              </a:spcBef>
-              <a:defRPr sz="1800">
-                <a:solidFill>
-                  <a:srgbClr val="333333"/>
-                </a:solidFill>
-              </a:defRPr>
-            </a:pPr>
-            <a:r>
-              <a:t>→ DNA提取与基因组测序</a:t>
-            </a:r>
-          </a:p>
-        </p:txBody>
-      </p:sp>
-      <p:sp>
-        <p:nvSpPr>
-          <p:cNvPr id="8" name="TextBox 7"/>
           <p:cNvSpPr txBox="1"/>
           <p:nvPr/>
         </p:nvSpPr>
@@ -8080,36 +8685,44 @@
       <p:grpSpPr/>
       <p:sp>
         <p:nvSpPr>
-          <p:cNvPr id="2" name="TextBox 1"/>
-          <p:cNvSpPr txBox="1"/>
+          <p:cNvPr id="2" name="Rectangle 1"/>
+          <p:cNvSpPr/>
           <p:nvPr/>
         </p:nvSpPr>
         <p:spPr>
           <a:xfrm>
-            <a:off x="457200" y="2560320"/>
-            <a:ext cx="11277295" cy="1097280"/>
+            <a:off x="0" y="0"/>
+            <a:ext cx="12191695" cy="822960"/>
           </a:xfrm>
           <a:prstGeom prst="rect">
             <a:avLst/>
           </a:prstGeom>
-          <a:noFill/>
+          <a:solidFill>
+            <a:srgbClr val="1465C0"/>
+          </a:solidFill>
+          <a:ln>
+            <a:noFill/>
+          </a:ln>
         </p:spPr>
-        <p:txBody>
-          <a:bodyPr wrap="none">
-            <a:spAutoFit/>
-          </a:bodyPr>
+        <p:style>
+          <a:lnRef idx="1">
+            <a:schemeClr val="accent1"/>
+          </a:lnRef>
+          <a:fillRef idx="3">
+            <a:schemeClr val="accent1"/>
+          </a:fillRef>
+          <a:effectRef idx="2">
+            <a:schemeClr val="accent1"/>
+          </a:effectRef>
+          <a:fontRef idx="minor">
+            <a:schemeClr val="lt1"/>
+          </a:fontRef>
+        </p:style>
+        <p:txBody>
+          <a:bodyPr rtlCol="0" anchor="ctr"/>
           <a:lstStyle/>
           <a:p>
-            <a:pPr algn="ctr">
-              <a:defRPr sz="5400" b="1">
-                <a:solidFill>
-                  <a:srgbClr val="1465C0"/>
-                </a:solidFill>
-              </a:defRPr>
-            </a:pPr>
-            <a:r>
-              <a:t>Thank You!</a:t>
-            </a:r>
+            <a:pPr algn="ctr"/>
           </a:p>
         </p:txBody>
       </p:sp>
@@ -8121,7 +8734,7 @@
         </p:nvSpPr>
         <p:spPr>
           <a:xfrm>
-            <a:off x="457200" y="3840480"/>
+            <a:off x="457200" y="182880"/>
             <a:ext cx="11277295" cy="548640"/>
           </a:xfrm>
           <a:prstGeom prst="rect">
@@ -8135,15 +8748,15 @@
           </a:bodyPr>
           <a:lstStyle/>
           <a:p>
-            <a:pPr algn="ctr">
-              <a:defRPr sz="2400">
+            <a:pPr>
+              <a:defRPr sz="2800" b="1">
                 <a:solidFill>
-                  <a:srgbClr val="757575"/>
+                  <a:srgbClr val="FFFFFF"/>
                 </a:solidFill>
               </a:defRPr>
             </a:pPr>
             <a:r>
-              <a:t>Questions &amp; Discussion</a:t>
+              <a:t>结论与下一步计划</a:t>
             </a:r>
           </a:p>
         </p:txBody>
@@ -8151,6 +8764,276 @@
       <p:sp>
         <p:nvSpPr>
           <p:cNvPr id="4" name="TextBox 3"/>
+          <p:cNvSpPr txBox="1"/>
+          <p:nvPr/>
+        </p:nvSpPr>
+        <p:spPr>
+          <a:xfrm>
+            <a:off x="457200" y="1097280"/>
+            <a:ext cx="5029200" cy="457200"/>
+          </a:xfrm>
+          <a:prstGeom prst="rect">
+            <a:avLst/>
+          </a:prstGeom>
+          <a:noFill/>
+        </p:spPr>
+        <p:txBody>
+          <a:bodyPr wrap="none">
+            <a:spAutoFit/>
+          </a:bodyPr>
+          <a:lstStyle/>
+          <a:p>
+            <a:pPr>
+              <a:defRPr sz="2000" b="1">
+                <a:solidFill>
+                  <a:srgbClr val="1465C0"/>
+                </a:solidFill>
+              </a:defRPr>
+            </a:pPr>
+            <a:r>
+              <a:t>Main Findings</a:t>
+            </a:r>
+          </a:p>
+        </p:txBody>
+      </p:sp>
+      <p:sp>
+        <p:nvSpPr>
+          <p:cNvPr id="5" name="TextBox 4"/>
+          <p:cNvSpPr txBox="1"/>
+          <p:nvPr/>
+        </p:nvSpPr>
+        <p:spPr>
+          <a:xfrm>
+            <a:off x="457200" y="1645920"/>
+            <a:ext cx="5303520" cy="4114800"/>
+          </a:xfrm>
+          <a:prstGeom prst="rect">
+            <a:avLst/>
+          </a:prstGeom>
+          <a:noFill/>
+        </p:spPr>
+        <p:txBody>
+          <a:bodyPr wrap="square">
+            <a:spAutoFit/>
+          </a:bodyPr>
+          <a:lstStyle/>
+          <a:p>
+            <a:pPr>
+              <a:spcBef>
+                <a:spcPts val="800"/>
+              </a:spcBef>
+              <a:defRPr sz="1800">
+                <a:solidFill>
+                  <a:srgbClr val="333333"/>
+                </a:solidFill>
+              </a:defRPr>
+            </a:pPr>
+            <a:r>
+              <a:t>• 成功分离</a:t>
+            </a:r>
+            <a:r>
+              <a:rPr b="1">
+                <a:solidFill>
+                  <a:srgbClr val="4CAF50"/>
+                </a:solidFill>
+              </a:rPr>
+              <a:t>5株噬菌体</a:t>
+            </a:r>
+            <a:r>
+              <a:t>（R1-R3, W1-W2）</a:t>
+            </a:r>
+          </a:p>
+          <a:p>
+            <a:pPr>
+              <a:spcBef>
+                <a:spcPts val="800"/>
+              </a:spcBef>
+              <a:defRPr sz="1800">
+                <a:solidFill>
+                  <a:srgbClr val="333333"/>
+                </a:solidFill>
+              </a:defRPr>
+            </a:pPr>
+            <a:r>
+              <a:t>• R1是唯一的</a:t>
+            </a:r>
+            <a:r>
+              <a:rPr b="1">
+                <a:solidFill>
+                  <a:srgbClr val="4CAF50"/>
+                </a:solidFill>
+              </a:rPr>
+              <a:t>窄宿主范围</a:t>
+            </a:r>
+            <a:r>
+              <a:t>噬菌体</a:t>
+            </a:r>
+          </a:p>
+          <a:p>
+            <a:pPr>
+              <a:spcBef>
+                <a:spcPts val="800"/>
+              </a:spcBef>
+              <a:defRPr sz="1800">
+                <a:solidFill>
+                  <a:srgbClr val="333333"/>
+                </a:solidFill>
+              </a:defRPr>
+            </a:pPr>
+            <a:r>
+              <a:t>• R2产生</a:t>
+            </a:r>
+            <a:r>
+              <a:rPr b="1">
+                <a:solidFill>
+                  <a:srgbClr val="4CAF50"/>
+                </a:solidFill>
+              </a:rPr>
+              <a:t>浑浊斑块</a:t>
+            </a:r>
+            <a:r>
+              <a:t>，杀菌曲线证实为</a:t>
+            </a:r>
+            <a:r>
+              <a:rPr b="1">
+                <a:solidFill>
+                  <a:srgbClr val="4CAF50"/>
+                </a:solidFill>
+              </a:rPr>
+              <a:t>温和性噬菌体</a:t>
+            </a:r>
+          </a:p>
+          <a:p>
+            <a:pPr>
+              <a:spcBef>
+                <a:spcPts val="800"/>
+              </a:spcBef>
+              <a:defRPr sz="1800">
+                <a:solidFill>
+                  <a:srgbClr val="333333"/>
+                </a:solidFill>
+              </a:defRPr>
+            </a:pPr>
+            <a:r>
+              <a:t>• 杀菌曲线：</a:t>
+            </a:r>
+            <a:r>
+              <a:rPr b="1">
+                <a:solidFill>
+                  <a:srgbClr val="4CAF50"/>
+                </a:solidFill>
+              </a:rPr>
+              <a:t>R3最强（30min裂解），W1最快（56min）</a:t>
+            </a:r>
+          </a:p>
+        </p:txBody>
+      </p:sp>
+      <p:sp>
+        <p:nvSpPr>
+          <p:cNvPr id="6" name="TextBox 5"/>
+          <p:cNvSpPr txBox="1"/>
+          <p:nvPr/>
+        </p:nvSpPr>
+        <p:spPr>
+          <a:xfrm>
+            <a:off x="6217920" y="1097280"/>
+            <a:ext cx="5029200" cy="457200"/>
+          </a:xfrm>
+          <a:prstGeom prst="rect">
+            <a:avLst/>
+          </a:prstGeom>
+          <a:noFill/>
+        </p:spPr>
+        <p:txBody>
+          <a:bodyPr wrap="none">
+            <a:spAutoFit/>
+          </a:bodyPr>
+          <a:lstStyle/>
+          <a:p>
+            <a:pPr>
+              <a:defRPr sz="2000" b="1">
+                <a:solidFill>
+                  <a:srgbClr val="4CAF50"/>
+                </a:solidFill>
+              </a:defRPr>
+            </a:pPr>
+            <a:r>
+              <a:t>Next Steps</a:t>
+            </a:r>
+          </a:p>
+        </p:txBody>
+      </p:sp>
+      <p:sp>
+        <p:nvSpPr>
+          <p:cNvPr id="7" name="TextBox 6"/>
+          <p:cNvSpPr txBox="1"/>
+          <p:nvPr/>
+        </p:nvSpPr>
+        <p:spPr>
+          <a:xfrm>
+            <a:off x="6217920" y="1645920"/>
+            <a:ext cx="5303520" cy="4114800"/>
+          </a:xfrm>
+          <a:prstGeom prst="rect">
+            <a:avLst/>
+          </a:prstGeom>
+          <a:noFill/>
+        </p:spPr>
+        <p:txBody>
+          <a:bodyPr wrap="square">
+            <a:spAutoFit/>
+          </a:bodyPr>
+          <a:lstStyle/>
+          <a:p>
+            <a:pPr>
+              <a:spcBef>
+                <a:spcPts val="800"/>
+              </a:spcBef>
+              <a:defRPr sz="1800">
+                <a:solidFill>
+                  <a:srgbClr val="333333"/>
+                </a:solidFill>
+              </a:defRPr>
+            </a:pPr>
+            <a:r>
+              <a:t>→ 一步生长曲线实验</a:t>
+            </a:r>
+          </a:p>
+          <a:p>
+            <a:pPr>
+              <a:spcBef>
+                <a:spcPts val="800"/>
+              </a:spcBef>
+              <a:defRPr sz="1800">
+                <a:solidFill>
+                  <a:srgbClr val="333333"/>
+                </a:solidFill>
+              </a:defRPr>
+            </a:pPr>
+            <a:r>
+              <a:t>→ DNA提取与基因组测序</a:t>
+            </a:r>
+          </a:p>
+          <a:p>
+            <a:pPr>
+              <a:spcBef>
+                <a:spcPts val="800"/>
+              </a:spcBef>
+              <a:defRPr sz="1800">
+                <a:solidFill>
+                  <a:srgbClr val="333333"/>
+                </a:solidFill>
+              </a:defRPr>
+            </a:pPr>
+            <a:r>
+              <a:t>→ 电镜形态学观察（TEM）</a:t>
+            </a:r>
+          </a:p>
+        </p:txBody>
+      </p:sp>
+      <p:sp>
+        <p:nvSpPr>
+          <p:cNvPr id="8" name="TextBox 7"/>
           <p:cNvSpPr txBox="1"/>
           <p:nvPr/>
         </p:nvSpPr>
